--- a/outputs/energy_and_softs.pptx
+++ b/outputs/energy_and_softs.pptx
@@ -107,6 +107,59 @@
     </a:lvl9pPr>
   </p:defaultTextStyle>
 </p:presentation>
+</file>
+
+<file path=ppt/revisionInfo.xml><?xml version="1.0" encoding="utf-8"?>
+<p1510:revInfo xmlns:a="http://schemas.openxmlformats.org/drawingml/2006/main" xmlns:r="http://schemas.openxmlformats.org/officeDocument/2006/relationships" xmlns:p1510="http://schemas.microsoft.com/office/powerpoint/2015/10/main">
+  <p1510:revLst>
+    <p1510:client id="{24FA8061-810C-0A49-B1A2-92272DBB4FE4}" v="1" dt="2023-02-08T22:33:21.086"/>
+  </p1510:revLst>
+</p1510:revInfo>
+</file>
+
+<file path=ppt/changesInfos/changesInfo1.xml><?xml version="1.0" encoding="utf-8"?>
+<pc:chgInfo xmlns:a="http://schemas.openxmlformats.org/drawingml/2006/main" xmlns:r="http://schemas.openxmlformats.org/officeDocument/2006/relationships" xmlns:ac="http://schemas.microsoft.com/office/drawing/2013/main/command" xmlns:pc="http://schemas.microsoft.com/office/powerpoint/2013/main/command">
+  <pc:docChgLst>
+    <pc:chgData name="Rebecca Cantu Davidson" userId="71c25ae9df02aa0f" providerId="LiveId" clId="{24FA8061-810C-0A49-B1A2-92272DBB4FE4}"/>
+    <pc:docChg chg="custSel modSld">
+      <pc:chgData name="Rebecca Cantu Davidson" userId="71c25ae9df02aa0f" providerId="LiveId" clId="{24FA8061-810C-0A49-B1A2-92272DBB4FE4}" dt="2023-02-08T22:33:39.853" v="7" actId="14100"/>
+      <pc:docMkLst>
+        <pc:docMk/>
+      </pc:docMkLst>
+      <pc:sldChg chg="addSp delSp modSp mod">
+        <pc:chgData name="Rebecca Cantu Davidson" userId="71c25ae9df02aa0f" providerId="LiveId" clId="{24FA8061-810C-0A49-B1A2-92272DBB4FE4}" dt="2023-02-08T22:33:39.853" v="7" actId="14100"/>
+        <pc:sldMkLst>
+          <pc:docMk/>
+          <pc:sldMk cId="3780080768" sldId="258"/>
+        </pc:sldMkLst>
+        <pc:spChg chg="add del mod">
+          <ac:chgData name="Rebecca Cantu Davidson" userId="71c25ae9df02aa0f" providerId="LiveId" clId="{24FA8061-810C-0A49-B1A2-92272DBB4FE4}" dt="2023-02-08T22:33:21.086" v="1" actId="931"/>
+          <ac:spMkLst>
+            <pc:docMk/>
+            <pc:sldMk cId="3780080768" sldId="258"/>
+            <ac:spMk id="6" creationId="{09C814EF-65D1-32B7-4554-686CC7C578B5}"/>
+          </ac:spMkLst>
+        </pc:spChg>
+        <pc:picChg chg="del">
+          <ac:chgData name="Rebecca Cantu Davidson" userId="71c25ae9df02aa0f" providerId="LiveId" clId="{24FA8061-810C-0A49-B1A2-92272DBB4FE4}" dt="2023-02-08T22:33:15.761" v="0" actId="478"/>
+          <ac:picMkLst>
+            <pc:docMk/>
+            <pc:sldMk cId="3780080768" sldId="258"/>
+            <ac:picMk id="3" creationId="{F79CC711-10B6-EB33-2115-3BE18D0C53E4}"/>
+          </ac:picMkLst>
+        </pc:picChg>
+        <pc:picChg chg="add mod">
+          <ac:chgData name="Rebecca Cantu Davidson" userId="71c25ae9df02aa0f" providerId="LiveId" clId="{24FA8061-810C-0A49-B1A2-92272DBB4FE4}" dt="2023-02-08T22:33:39.853" v="7" actId="14100"/>
+          <ac:picMkLst>
+            <pc:docMk/>
+            <pc:sldMk cId="3780080768" sldId="258"/>
+            <ac:picMk id="8" creationId="{BAF051F8-1208-112A-6531-D11990C76E9C}"/>
+          </ac:picMkLst>
+        </pc:picChg>
+      </pc:sldChg>
+    </pc:docChg>
+  </pc:docChgLst>
+</pc:chgInfo>
 </file>
 
 <file path=ppt/slideLayouts/slideLayout1.xml><?xml version="1.0" encoding="utf-8"?>
@@ -3785,10 +3838,10 @@
       </p:sp>
       <p:pic>
         <p:nvPicPr>
-          <p:cNvPr id="3" name="Content Placeholder 2" descr="Graphical user interface, chart, histogram&#10;&#10;Description automatically generated">
-            <a:extLst>
-              <a:ext uri="{FF2B5EF4-FFF2-40B4-BE49-F238E27FC236}">
-                <a16:creationId xmlns:a16="http://schemas.microsoft.com/office/drawing/2014/main" id="{F79CC711-10B6-EB33-2115-3BE18D0C53E4}"/>
+          <p:cNvPr id="8" name="Content Placeholder 7" descr="Graphical user interface, chart&#10;&#10;Description automatically generated">
+            <a:extLst>
+              <a:ext uri="{FF2B5EF4-FFF2-40B4-BE49-F238E27FC236}">
+                <a16:creationId xmlns:a16="http://schemas.microsoft.com/office/drawing/2014/main" id="{BAF051F8-1208-112A-6531-D11990C76E9C}"/>
               </a:ext>
             </a:extLst>
           </p:cNvPr>
@@ -3807,12 +3860,9 @@
         </p:blipFill>
         <p:spPr>
           <a:xfrm>
-            <a:off x="4626429" y="333974"/>
-            <a:ext cx="7435608" cy="5948487"/>
+            <a:off x="3986325" y="373714"/>
+            <a:ext cx="7724646" cy="6179718"/>
           </a:xfrm>
-          <a:prstGeom prst="rect">
-            <a:avLst/>
-          </a:prstGeom>
         </p:spPr>
       </p:pic>
     </p:spTree>

--- a/outputs/energy_and_softs.pptx
+++ b/outputs/energy_and_softs.pptx
@@ -5,9 +5,11 @@
     <p:sldMasterId id="2147483648" r:id="rId1"/>
   </p:sldMasterIdLst>
   <p:sldIdLst>
-    <p:sldId id="256" r:id="rId2"/>
-    <p:sldId id="258" r:id="rId3"/>
-    <p:sldId id="257" r:id="rId4"/>
+    <p:sldId id="259" r:id="rId2"/>
+    <p:sldId id="260" r:id="rId3"/>
+    <p:sldId id="256" r:id="rId4"/>
+    <p:sldId id="258" r:id="rId5"/>
+    <p:sldId id="257" r:id="rId6"/>
   </p:sldIdLst>
   <p:sldSz cx="12192000" cy="6858000"/>
   <p:notesSz cx="6858000" cy="9144000"/>
@@ -106,13 +108,18 @@
       </a:defRPr>
     </a:lvl9pPr>
   </p:defaultTextStyle>
+  <p:extLst>
+    <p:ext uri="{EFAFB233-063F-42B5-8137-9DF3F51BA10A}">
+      <p15:sldGuideLst xmlns:p15="http://schemas.microsoft.com/office/powerpoint/2012/main"/>
+    </p:ext>
+  </p:extLst>
 </p:presentation>
 </file>
 
 <file path=ppt/revisionInfo.xml><?xml version="1.0" encoding="utf-8"?>
 <p1510:revInfo xmlns:a="http://schemas.openxmlformats.org/drawingml/2006/main" xmlns:r="http://schemas.openxmlformats.org/officeDocument/2006/relationships" xmlns:p1510="http://schemas.microsoft.com/office/powerpoint/2015/10/main">
   <p1510:revLst>
-    <p1510:client id="{24FA8061-810C-0A49-B1A2-92272DBB4FE4}" v="1" dt="2023-02-08T22:33:21.086"/>
+    <p1510:client id="{24FA8061-810C-0A49-B1A2-92272DBB4FE4}" v="65" dt="2023-02-08T23:13:32.999"/>
   </p1510:revLst>
 </p1510:revInfo>
 </file>
@@ -121,8 +128,8 @@
 <pc:chgInfo xmlns:a="http://schemas.openxmlformats.org/drawingml/2006/main" xmlns:r="http://schemas.openxmlformats.org/officeDocument/2006/relationships" xmlns:ac="http://schemas.microsoft.com/office/drawing/2013/main/command" xmlns:pc="http://schemas.microsoft.com/office/powerpoint/2013/main/command">
   <pc:docChgLst>
     <pc:chgData name="Rebecca Cantu Davidson" userId="71c25ae9df02aa0f" providerId="LiveId" clId="{24FA8061-810C-0A49-B1A2-92272DBB4FE4}"/>
-    <pc:docChg chg="custSel modSld">
-      <pc:chgData name="Rebecca Cantu Davidson" userId="71c25ae9df02aa0f" providerId="LiveId" clId="{24FA8061-810C-0A49-B1A2-92272DBB4FE4}" dt="2023-02-08T22:33:39.853" v="7" actId="14100"/>
+    <pc:docChg chg="undo custSel addSld modSld sldOrd">
+      <pc:chgData name="Rebecca Cantu Davidson" userId="71c25ae9df02aa0f" providerId="LiveId" clId="{24FA8061-810C-0A49-B1A2-92272DBB4FE4}" dt="2023-02-08T23:28:20.789" v="1085"/>
       <pc:docMkLst>
         <pc:docMk/>
       </pc:docMkLst>
@@ -157,6 +164,60 @@
           </ac:picMkLst>
         </pc:picChg>
       </pc:sldChg>
+      <pc:sldChg chg="modSp new mod ord modAnim">
+        <pc:chgData name="Rebecca Cantu Davidson" userId="71c25ae9df02aa0f" providerId="LiveId" clId="{24FA8061-810C-0A49-B1A2-92272DBB4FE4}" dt="2023-02-08T23:13:32.999" v="763"/>
+        <pc:sldMkLst>
+          <pc:docMk/>
+          <pc:sldMk cId="440390813" sldId="259"/>
+        </pc:sldMkLst>
+        <pc:spChg chg="mod">
+          <ac:chgData name="Rebecca Cantu Davidson" userId="71c25ae9df02aa0f" providerId="LiveId" clId="{24FA8061-810C-0A49-B1A2-92272DBB4FE4}" dt="2023-02-08T22:59:26.793" v="30" actId="20577"/>
+          <ac:spMkLst>
+            <pc:docMk/>
+            <pc:sldMk cId="440390813" sldId="259"/>
+            <ac:spMk id="2" creationId="{C0D3C112-49E3-6E4C-0384-722C1D9EC02E}"/>
+          </ac:spMkLst>
+        </pc:spChg>
+        <pc:spChg chg="mod">
+          <ac:chgData name="Rebecca Cantu Davidson" userId="71c25ae9df02aa0f" providerId="LiveId" clId="{24FA8061-810C-0A49-B1A2-92272DBB4FE4}" dt="2023-02-08T23:07:21.873" v="699" actId="20577"/>
+          <ac:spMkLst>
+            <pc:docMk/>
+            <pc:sldMk cId="440390813" sldId="259"/>
+            <ac:spMk id="3" creationId="{56FB73C3-7D2F-B8E8-670A-C0FE7EC5B88B}"/>
+          </ac:spMkLst>
+        </pc:spChg>
+      </pc:sldChg>
+      <pc:sldChg chg="addSp modSp new mod modClrScheme chgLayout">
+        <pc:chgData name="Rebecca Cantu Davidson" userId="71c25ae9df02aa0f" providerId="LiveId" clId="{24FA8061-810C-0A49-B1A2-92272DBB4FE4}" dt="2023-02-08T23:28:20.789" v="1085"/>
+        <pc:sldMkLst>
+          <pc:docMk/>
+          <pc:sldMk cId="4207018662" sldId="260"/>
+        </pc:sldMkLst>
+        <pc:spChg chg="mod ord">
+          <ac:chgData name="Rebecca Cantu Davidson" userId="71c25ae9df02aa0f" providerId="LiveId" clId="{24FA8061-810C-0A49-B1A2-92272DBB4FE4}" dt="2023-02-08T23:27:35.774" v="1065" actId="14100"/>
+          <ac:spMkLst>
+            <pc:docMk/>
+            <pc:sldMk cId="4207018662" sldId="260"/>
+            <ac:spMk id="2" creationId="{DD6CEBE0-4DE3-700F-9A6D-05EB02CD3C45}"/>
+          </ac:spMkLst>
+        </pc:spChg>
+        <pc:spChg chg="mod ord">
+          <ac:chgData name="Rebecca Cantu Davidson" userId="71c25ae9df02aa0f" providerId="LiveId" clId="{24FA8061-810C-0A49-B1A2-92272DBB4FE4}" dt="2023-02-08T23:28:16.047" v="1082" actId="20577"/>
+          <ac:spMkLst>
+            <pc:docMk/>
+            <pc:sldMk cId="4207018662" sldId="260"/>
+            <ac:spMk id="3" creationId="{0AFBBF5C-21AF-7D69-8A78-1F80AC910CE4}"/>
+          </ac:spMkLst>
+        </pc:spChg>
+        <pc:spChg chg="add mod ord">
+          <ac:chgData name="Rebecca Cantu Davidson" userId="71c25ae9df02aa0f" providerId="LiveId" clId="{24FA8061-810C-0A49-B1A2-92272DBB4FE4}" dt="2023-02-08T23:28:20.789" v="1085"/>
+          <ac:spMkLst>
+            <pc:docMk/>
+            <pc:sldMk cId="4207018662" sldId="260"/>
+            <ac:spMk id="4" creationId="{4E98B473-ECD9-1120-BF7A-EB261921516B}"/>
+          </ac:spMkLst>
+        </pc:spChg>
+      </pc:sldChg>
     </pc:docChg>
   </pc:docChgLst>
 </pc:chgInfo>
@@ -309,7 +370,7 @@
           <a:p>
             <a:fld id="{8664FCD9-E278-E147-B148-ACFEFF1C2688}" type="datetimeFigureOut">
               <a:rPr lang="en-US" smtClean="0"/>
-              <a:t>2/7/23</a:t>
+              <a:t>2/8/23</a:t>
             </a:fld>
             <a:endParaRPr lang="en-US"/>
           </a:p>
@@ -507,7 +568,7 @@
           <a:p>
             <a:fld id="{8664FCD9-E278-E147-B148-ACFEFF1C2688}" type="datetimeFigureOut">
               <a:rPr lang="en-US" smtClean="0"/>
-              <a:t>2/7/23</a:t>
+              <a:t>2/8/23</a:t>
             </a:fld>
             <a:endParaRPr lang="en-US"/>
           </a:p>
@@ -715,7 +776,7 @@
           <a:p>
             <a:fld id="{8664FCD9-E278-E147-B148-ACFEFF1C2688}" type="datetimeFigureOut">
               <a:rPr lang="en-US" smtClean="0"/>
-              <a:t>2/7/23</a:t>
+              <a:t>2/8/23</a:t>
             </a:fld>
             <a:endParaRPr lang="en-US"/>
           </a:p>
@@ -913,7 +974,7 @@
           <a:p>
             <a:fld id="{8664FCD9-E278-E147-B148-ACFEFF1C2688}" type="datetimeFigureOut">
               <a:rPr lang="en-US" smtClean="0"/>
-              <a:t>2/7/23</a:t>
+              <a:t>2/8/23</a:t>
             </a:fld>
             <a:endParaRPr lang="en-US"/>
           </a:p>
@@ -1188,7 +1249,7 @@
           <a:p>
             <a:fld id="{8664FCD9-E278-E147-B148-ACFEFF1C2688}" type="datetimeFigureOut">
               <a:rPr lang="en-US" smtClean="0"/>
-              <a:t>2/7/23</a:t>
+              <a:t>2/8/23</a:t>
             </a:fld>
             <a:endParaRPr lang="en-US"/>
           </a:p>
@@ -1453,7 +1514,7 @@
           <a:p>
             <a:fld id="{8664FCD9-E278-E147-B148-ACFEFF1C2688}" type="datetimeFigureOut">
               <a:rPr lang="en-US" smtClean="0"/>
-              <a:t>2/7/23</a:t>
+              <a:t>2/8/23</a:t>
             </a:fld>
             <a:endParaRPr lang="en-US"/>
           </a:p>
@@ -1865,7 +1926,7 @@
           <a:p>
             <a:fld id="{8664FCD9-E278-E147-B148-ACFEFF1C2688}" type="datetimeFigureOut">
               <a:rPr lang="en-US" smtClean="0"/>
-              <a:t>2/7/23</a:t>
+              <a:t>2/8/23</a:t>
             </a:fld>
             <a:endParaRPr lang="en-US"/>
           </a:p>
@@ -2006,7 +2067,7 @@
           <a:p>
             <a:fld id="{8664FCD9-E278-E147-B148-ACFEFF1C2688}" type="datetimeFigureOut">
               <a:rPr lang="en-US" smtClean="0"/>
-              <a:t>2/7/23</a:t>
+              <a:t>2/8/23</a:t>
             </a:fld>
             <a:endParaRPr lang="en-US"/>
           </a:p>
@@ -2119,7 +2180,7 @@
           <a:p>
             <a:fld id="{8664FCD9-E278-E147-B148-ACFEFF1C2688}" type="datetimeFigureOut">
               <a:rPr lang="en-US" smtClean="0"/>
-              <a:t>2/7/23</a:t>
+              <a:t>2/8/23</a:t>
             </a:fld>
             <a:endParaRPr lang="en-US"/>
           </a:p>
@@ -2430,7 +2491,7 @@
           <a:p>
             <a:fld id="{8664FCD9-E278-E147-B148-ACFEFF1C2688}" type="datetimeFigureOut">
               <a:rPr lang="en-US" smtClean="0"/>
-              <a:t>2/7/23</a:t>
+              <a:t>2/8/23</a:t>
             </a:fld>
             <a:endParaRPr lang="en-US"/>
           </a:p>
@@ -2718,7 +2779,7 @@
           <a:p>
             <a:fld id="{8664FCD9-E278-E147-B148-ACFEFF1C2688}" type="datetimeFigureOut">
               <a:rPr lang="en-US" smtClean="0"/>
-              <a:t>2/7/23</a:t>
+              <a:t>2/8/23</a:t>
             </a:fld>
             <a:endParaRPr lang="en-US"/>
           </a:p>
@@ -2959,7 +3020,7 @@
           <a:p>
             <a:fld id="{8664FCD9-E278-E147-B148-ACFEFF1C2688}" type="datetimeFigureOut">
               <a:rPr lang="en-US" smtClean="0"/>
-              <a:t>2/7/23</a:t>
+              <a:t>2/8/23</a:t>
             </a:fld>
             <a:endParaRPr lang="en-US"/>
           </a:p>
@@ -3362,6 +3423,929 @@
 <file path=ppt/slides/slide1.xml><?xml version="1.0" encoding="utf-8"?>
 <p:sld xmlns:a="http://schemas.openxmlformats.org/drawingml/2006/main" xmlns:r="http://schemas.openxmlformats.org/officeDocument/2006/relationships" xmlns:p="http://schemas.openxmlformats.org/presentationml/2006/main">
   <p:cSld>
+    <p:spTree>
+      <p:nvGrpSpPr>
+        <p:cNvPr id="1" name=""/>
+        <p:cNvGrpSpPr/>
+        <p:nvPr/>
+      </p:nvGrpSpPr>
+      <p:grpSpPr>
+        <a:xfrm>
+          <a:off x="0" y="0"/>
+          <a:ext cx="0" cy="0"/>
+          <a:chOff x="0" y="0"/>
+          <a:chExt cx="0" cy="0"/>
+        </a:xfrm>
+      </p:grpSpPr>
+      <p:sp>
+        <p:nvSpPr>
+          <p:cNvPr id="2" name="Title 1">
+            <a:extLst>
+              <a:ext uri="{FF2B5EF4-FFF2-40B4-BE49-F238E27FC236}">
+                <a16:creationId xmlns:a16="http://schemas.microsoft.com/office/drawing/2014/main" id="{C0D3C112-49E3-6E4C-0384-722C1D9EC02E}"/>
+              </a:ext>
+            </a:extLst>
+          </p:cNvPr>
+          <p:cNvSpPr>
+            <a:spLocks noGrp="1"/>
+          </p:cNvSpPr>
+          <p:nvPr>
+            <p:ph type="title"/>
+          </p:nvPr>
+        </p:nvSpPr>
+        <p:spPr/>
+        <p:txBody>
+          <a:bodyPr/>
+          <a:lstStyle/>
+          <a:p>
+            <a:r>
+              <a:rPr lang="en-US" dirty="0"/>
+              <a:t>Commodities in Action</a:t>
+            </a:r>
+          </a:p>
+        </p:txBody>
+      </p:sp>
+      <p:sp>
+        <p:nvSpPr>
+          <p:cNvPr id="3" name="Content Placeholder 2">
+            <a:extLst>
+              <a:ext uri="{FF2B5EF4-FFF2-40B4-BE49-F238E27FC236}">
+                <a16:creationId xmlns:a16="http://schemas.microsoft.com/office/drawing/2014/main" id="{56FB73C3-7D2F-B8E8-670A-C0FE7EC5B88B}"/>
+              </a:ext>
+            </a:extLst>
+          </p:cNvPr>
+          <p:cNvSpPr>
+            <a:spLocks noGrp="1"/>
+          </p:cNvSpPr>
+          <p:nvPr>
+            <p:ph idx="1"/>
+          </p:nvPr>
+        </p:nvSpPr>
+        <p:spPr/>
+        <p:txBody>
+          <a:bodyPr/>
+          <a:lstStyle/>
+          <a:p>
+            <a:r>
+              <a:rPr lang="en-US" dirty="0"/>
+              <a:t>What affects commodity prices?  </a:t>
+            </a:r>
+          </a:p>
+          <a:p>
+            <a:r>
+              <a:rPr lang="en-US" dirty="0"/>
+              <a:t>How volatile can commodity prices be?</a:t>
+            </a:r>
+          </a:p>
+          <a:p>
+            <a:r>
+              <a:rPr lang="en-US" dirty="0"/>
+              <a:t>How susceptible are commodity prices to local or global events?</a:t>
+            </a:r>
+          </a:p>
+          <a:p>
+            <a:pPr lvl="1"/>
+            <a:r>
+              <a:rPr lang="en-US" dirty="0"/>
+              <a:t>What effect does war on commodity prices?</a:t>
+            </a:r>
+          </a:p>
+          <a:p>
+            <a:pPr lvl="2"/>
+            <a:r>
+              <a:rPr lang="en-US" dirty="0"/>
+              <a:t>Invasion of Iraq (March 2003 – December 2011)</a:t>
+            </a:r>
+          </a:p>
+          <a:p>
+            <a:pPr lvl="1"/>
+            <a:r>
+              <a:rPr lang="en-US" dirty="0"/>
+              <a:t>What effect does an economic crisis have an commodity prices?</a:t>
+            </a:r>
+          </a:p>
+          <a:p>
+            <a:pPr lvl="2"/>
+            <a:r>
+              <a:rPr lang="en-US" dirty="0"/>
+              <a:t>2008 Recession (December 2007 – June 2009)</a:t>
+            </a:r>
+          </a:p>
+          <a:p>
+            <a:pPr lvl="1"/>
+            <a:r>
+              <a:rPr lang="en-US" dirty="0"/>
+              <a:t>What effect does a health crisis have on commodity prices?</a:t>
+            </a:r>
+          </a:p>
+          <a:p>
+            <a:pPr lvl="2"/>
+            <a:r>
+              <a:rPr lang="en-US" dirty="0"/>
+              <a:t>COVID-19 (January 2020 – August 2021)</a:t>
+            </a:r>
+          </a:p>
+        </p:txBody>
+      </p:sp>
+    </p:spTree>
+    <p:extLst>
+      <p:ext uri="{BB962C8B-B14F-4D97-AF65-F5344CB8AC3E}">
+        <p14:creationId xmlns:p14="http://schemas.microsoft.com/office/powerpoint/2010/main" val="440390813"/>
+      </p:ext>
+    </p:extLst>
+  </p:cSld>
+  <p:clrMapOvr>
+    <a:masterClrMapping/>
+  </p:clrMapOvr>
+  <p:timing>
+    <p:tnLst>
+      <p:par>
+        <p:cTn id="1" dur="indefinite" restart="never" nodeType="tmRoot">
+          <p:childTnLst>
+            <p:seq concurrent="1" nextAc="seek">
+              <p:cTn id="2" dur="indefinite" nodeType="mainSeq">
+                <p:childTnLst>
+                  <p:par>
+                    <p:cTn id="3" fill="hold">
+                      <p:stCondLst>
+                        <p:cond delay="indefinite"/>
+                      </p:stCondLst>
+                      <p:childTnLst>
+                        <p:par>
+                          <p:cTn id="4" fill="hold">
+                            <p:stCondLst>
+                              <p:cond delay="0"/>
+                            </p:stCondLst>
+                            <p:childTnLst>
+                              <p:par>
+                                <p:cTn id="5" presetID="1" presetClass="entr" presetSubtype="0" fill="hold" grpId="0" nodeType="clickEffect">
+                                  <p:stCondLst>
+                                    <p:cond delay="0"/>
+                                  </p:stCondLst>
+                                  <p:childTnLst>
+                                    <p:set>
+                                      <p:cBhvr>
+                                        <p:cTn id="6" dur="1" fill="hold">
+                                          <p:stCondLst>
+                                            <p:cond delay="0"/>
+                                          </p:stCondLst>
+                                        </p:cTn>
+                                        <p:tgtEl>
+                                          <p:spTgt spid="3">
+                                            <p:txEl>
+                                              <p:pRg st="0" end="0"/>
+                                            </p:txEl>
+                                          </p:spTgt>
+                                        </p:tgtEl>
+                                        <p:attrNameLst>
+                                          <p:attrName>style.visibility</p:attrName>
+                                        </p:attrNameLst>
+                                      </p:cBhvr>
+                                      <p:to>
+                                        <p:strVal val="visible"/>
+                                      </p:to>
+                                    </p:set>
+                                  </p:childTnLst>
+                                </p:cTn>
+                              </p:par>
+                            </p:childTnLst>
+                          </p:cTn>
+                        </p:par>
+                      </p:childTnLst>
+                    </p:cTn>
+                  </p:par>
+                  <p:par>
+                    <p:cTn id="7" fill="hold">
+                      <p:stCondLst>
+                        <p:cond delay="indefinite"/>
+                      </p:stCondLst>
+                      <p:childTnLst>
+                        <p:par>
+                          <p:cTn id="8" fill="hold">
+                            <p:stCondLst>
+                              <p:cond delay="0"/>
+                            </p:stCondLst>
+                            <p:childTnLst>
+                              <p:par>
+                                <p:cTn id="9" presetID="1" presetClass="entr" presetSubtype="0" fill="hold" grpId="0" nodeType="clickEffect">
+                                  <p:stCondLst>
+                                    <p:cond delay="0"/>
+                                  </p:stCondLst>
+                                  <p:childTnLst>
+                                    <p:set>
+                                      <p:cBhvr>
+                                        <p:cTn id="10" dur="1" fill="hold">
+                                          <p:stCondLst>
+                                            <p:cond delay="0"/>
+                                          </p:stCondLst>
+                                        </p:cTn>
+                                        <p:tgtEl>
+                                          <p:spTgt spid="3">
+                                            <p:txEl>
+                                              <p:pRg st="1" end="1"/>
+                                            </p:txEl>
+                                          </p:spTgt>
+                                        </p:tgtEl>
+                                        <p:attrNameLst>
+                                          <p:attrName>style.visibility</p:attrName>
+                                        </p:attrNameLst>
+                                      </p:cBhvr>
+                                      <p:to>
+                                        <p:strVal val="visible"/>
+                                      </p:to>
+                                    </p:set>
+                                  </p:childTnLst>
+                                </p:cTn>
+                              </p:par>
+                            </p:childTnLst>
+                          </p:cTn>
+                        </p:par>
+                      </p:childTnLst>
+                    </p:cTn>
+                  </p:par>
+                  <p:par>
+                    <p:cTn id="11" fill="hold">
+                      <p:stCondLst>
+                        <p:cond delay="indefinite"/>
+                      </p:stCondLst>
+                      <p:childTnLst>
+                        <p:par>
+                          <p:cTn id="12" fill="hold">
+                            <p:stCondLst>
+                              <p:cond delay="0"/>
+                            </p:stCondLst>
+                            <p:childTnLst>
+                              <p:par>
+                                <p:cTn id="13" presetID="1" presetClass="entr" presetSubtype="0" fill="hold" grpId="0" nodeType="clickEffect">
+                                  <p:stCondLst>
+                                    <p:cond delay="0"/>
+                                  </p:stCondLst>
+                                  <p:childTnLst>
+                                    <p:set>
+                                      <p:cBhvr>
+                                        <p:cTn id="14" dur="1" fill="hold">
+                                          <p:stCondLst>
+                                            <p:cond delay="0"/>
+                                          </p:stCondLst>
+                                        </p:cTn>
+                                        <p:tgtEl>
+                                          <p:spTgt spid="3">
+                                            <p:txEl>
+                                              <p:pRg st="2" end="2"/>
+                                            </p:txEl>
+                                          </p:spTgt>
+                                        </p:tgtEl>
+                                        <p:attrNameLst>
+                                          <p:attrName>style.visibility</p:attrName>
+                                        </p:attrNameLst>
+                                      </p:cBhvr>
+                                      <p:to>
+                                        <p:strVal val="visible"/>
+                                      </p:to>
+                                    </p:set>
+                                  </p:childTnLst>
+                                </p:cTn>
+                              </p:par>
+                            </p:childTnLst>
+                          </p:cTn>
+                        </p:par>
+                      </p:childTnLst>
+                    </p:cTn>
+                  </p:par>
+                  <p:par>
+                    <p:cTn id="15" fill="hold">
+                      <p:stCondLst>
+                        <p:cond delay="indefinite"/>
+                      </p:stCondLst>
+                      <p:childTnLst>
+                        <p:par>
+                          <p:cTn id="16" fill="hold">
+                            <p:stCondLst>
+                              <p:cond delay="0"/>
+                            </p:stCondLst>
+                            <p:childTnLst>
+                              <p:par>
+                                <p:cTn id="17" presetID="1" presetClass="entr" presetSubtype="0" fill="hold" nodeType="clickEffect">
+                                  <p:stCondLst>
+                                    <p:cond delay="0"/>
+                                  </p:stCondLst>
+                                  <p:childTnLst>
+                                    <p:set>
+                                      <p:cBhvr>
+                                        <p:cTn id="18" dur="1" fill="hold">
+                                          <p:stCondLst>
+                                            <p:cond delay="0"/>
+                                          </p:stCondLst>
+                                        </p:cTn>
+                                        <p:tgtEl>
+                                          <p:spTgt spid="3">
+                                            <p:txEl>
+                                              <p:pRg st="3" end="3"/>
+                                            </p:txEl>
+                                          </p:spTgt>
+                                        </p:tgtEl>
+                                        <p:attrNameLst>
+                                          <p:attrName>style.visibility</p:attrName>
+                                        </p:attrNameLst>
+                                      </p:cBhvr>
+                                      <p:to>
+                                        <p:strVal val="visible"/>
+                                      </p:to>
+                                    </p:set>
+                                  </p:childTnLst>
+                                </p:cTn>
+                              </p:par>
+                            </p:childTnLst>
+                          </p:cTn>
+                        </p:par>
+                      </p:childTnLst>
+                    </p:cTn>
+                  </p:par>
+                  <p:par>
+                    <p:cTn id="19" fill="hold">
+                      <p:stCondLst>
+                        <p:cond delay="indefinite"/>
+                      </p:stCondLst>
+                      <p:childTnLst>
+                        <p:par>
+                          <p:cTn id="20" fill="hold">
+                            <p:stCondLst>
+                              <p:cond delay="0"/>
+                            </p:stCondLst>
+                            <p:childTnLst>
+                              <p:par>
+                                <p:cTn id="21" presetID="1" presetClass="entr" presetSubtype="0" fill="hold" nodeType="clickEffect">
+                                  <p:stCondLst>
+                                    <p:cond delay="0"/>
+                                  </p:stCondLst>
+                                  <p:childTnLst>
+                                    <p:set>
+                                      <p:cBhvr>
+                                        <p:cTn id="22" dur="1" fill="hold">
+                                          <p:stCondLst>
+                                            <p:cond delay="0"/>
+                                          </p:stCondLst>
+                                        </p:cTn>
+                                        <p:tgtEl>
+                                          <p:spTgt spid="3">
+                                            <p:txEl>
+                                              <p:pRg st="5" end="5"/>
+                                            </p:txEl>
+                                          </p:spTgt>
+                                        </p:tgtEl>
+                                        <p:attrNameLst>
+                                          <p:attrName>style.visibility</p:attrName>
+                                        </p:attrNameLst>
+                                      </p:cBhvr>
+                                      <p:to>
+                                        <p:strVal val="visible"/>
+                                      </p:to>
+                                    </p:set>
+                                  </p:childTnLst>
+                                </p:cTn>
+                              </p:par>
+                            </p:childTnLst>
+                          </p:cTn>
+                        </p:par>
+                      </p:childTnLst>
+                    </p:cTn>
+                  </p:par>
+                  <p:par>
+                    <p:cTn id="23" fill="hold">
+                      <p:stCondLst>
+                        <p:cond delay="indefinite"/>
+                      </p:stCondLst>
+                      <p:childTnLst>
+                        <p:par>
+                          <p:cTn id="24" fill="hold">
+                            <p:stCondLst>
+                              <p:cond delay="0"/>
+                            </p:stCondLst>
+                            <p:childTnLst>
+                              <p:par>
+                                <p:cTn id="25" presetID="1" presetClass="entr" presetSubtype="0" fill="hold" nodeType="clickEffect">
+                                  <p:stCondLst>
+                                    <p:cond delay="0"/>
+                                  </p:stCondLst>
+                                  <p:childTnLst>
+                                    <p:set>
+                                      <p:cBhvr>
+                                        <p:cTn id="26" dur="1" fill="hold">
+                                          <p:stCondLst>
+                                            <p:cond delay="0"/>
+                                          </p:stCondLst>
+                                        </p:cTn>
+                                        <p:tgtEl>
+                                          <p:spTgt spid="3">
+                                            <p:txEl>
+                                              <p:pRg st="7" end="7"/>
+                                            </p:txEl>
+                                          </p:spTgt>
+                                        </p:tgtEl>
+                                        <p:attrNameLst>
+                                          <p:attrName>style.visibility</p:attrName>
+                                        </p:attrNameLst>
+                                      </p:cBhvr>
+                                      <p:to>
+                                        <p:strVal val="visible"/>
+                                      </p:to>
+                                    </p:set>
+                                  </p:childTnLst>
+                                </p:cTn>
+                              </p:par>
+                            </p:childTnLst>
+                          </p:cTn>
+                        </p:par>
+                      </p:childTnLst>
+                    </p:cTn>
+                  </p:par>
+                  <p:par>
+                    <p:cTn id="27" fill="hold">
+                      <p:stCondLst>
+                        <p:cond delay="indefinite"/>
+                      </p:stCondLst>
+                      <p:childTnLst>
+                        <p:par>
+                          <p:cTn id="28" fill="hold">
+                            <p:stCondLst>
+                              <p:cond delay="0"/>
+                            </p:stCondLst>
+                            <p:childTnLst>
+                              <p:par>
+                                <p:cTn id="29" presetID="1" presetClass="entr" presetSubtype="0" fill="hold" nodeType="clickEffect">
+                                  <p:stCondLst>
+                                    <p:cond delay="0"/>
+                                  </p:stCondLst>
+                                  <p:childTnLst>
+                                    <p:set>
+                                      <p:cBhvr>
+                                        <p:cTn id="30" dur="1" fill="hold">
+                                          <p:stCondLst>
+                                            <p:cond delay="0"/>
+                                          </p:stCondLst>
+                                        </p:cTn>
+                                        <p:tgtEl>
+                                          <p:spTgt spid="3">
+                                            <p:txEl>
+                                              <p:pRg st="4" end="4"/>
+                                            </p:txEl>
+                                          </p:spTgt>
+                                        </p:tgtEl>
+                                        <p:attrNameLst>
+                                          <p:attrName>style.visibility</p:attrName>
+                                        </p:attrNameLst>
+                                      </p:cBhvr>
+                                      <p:to>
+                                        <p:strVal val="visible"/>
+                                      </p:to>
+                                    </p:set>
+                                  </p:childTnLst>
+                                </p:cTn>
+                              </p:par>
+                            </p:childTnLst>
+                          </p:cTn>
+                        </p:par>
+                      </p:childTnLst>
+                    </p:cTn>
+                  </p:par>
+                  <p:par>
+                    <p:cTn id="31" fill="hold">
+                      <p:stCondLst>
+                        <p:cond delay="indefinite"/>
+                      </p:stCondLst>
+                      <p:childTnLst>
+                        <p:par>
+                          <p:cTn id="32" fill="hold">
+                            <p:stCondLst>
+                              <p:cond delay="0"/>
+                            </p:stCondLst>
+                            <p:childTnLst>
+                              <p:par>
+                                <p:cTn id="33" presetID="1" presetClass="entr" presetSubtype="0" fill="hold" nodeType="clickEffect">
+                                  <p:stCondLst>
+                                    <p:cond delay="0"/>
+                                  </p:stCondLst>
+                                  <p:childTnLst>
+                                    <p:set>
+                                      <p:cBhvr>
+                                        <p:cTn id="34" dur="1" fill="hold">
+                                          <p:stCondLst>
+                                            <p:cond delay="0"/>
+                                          </p:stCondLst>
+                                        </p:cTn>
+                                        <p:tgtEl>
+                                          <p:spTgt spid="3">
+                                            <p:txEl>
+                                              <p:pRg st="6" end="6"/>
+                                            </p:txEl>
+                                          </p:spTgt>
+                                        </p:tgtEl>
+                                        <p:attrNameLst>
+                                          <p:attrName>style.visibility</p:attrName>
+                                        </p:attrNameLst>
+                                      </p:cBhvr>
+                                      <p:to>
+                                        <p:strVal val="visible"/>
+                                      </p:to>
+                                    </p:set>
+                                  </p:childTnLst>
+                                </p:cTn>
+                              </p:par>
+                            </p:childTnLst>
+                          </p:cTn>
+                        </p:par>
+                      </p:childTnLst>
+                    </p:cTn>
+                  </p:par>
+                  <p:par>
+                    <p:cTn id="35" fill="hold">
+                      <p:stCondLst>
+                        <p:cond delay="indefinite"/>
+                      </p:stCondLst>
+                      <p:childTnLst>
+                        <p:par>
+                          <p:cTn id="36" fill="hold">
+                            <p:stCondLst>
+                              <p:cond delay="0"/>
+                            </p:stCondLst>
+                            <p:childTnLst>
+                              <p:par>
+                                <p:cTn id="37" presetID="1" presetClass="entr" presetSubtype="0" fill="hold" nodeType="clickEffect">
+                                  <p:stCondLst>
+                                    <p:cond delay="0"/>
+                                  </p:stCondLst>
+                                  <p:childTnLst>
+                                    <p:set>
+                                      <p:cBhvr>
+                                        <p:cTn id="38" dur="1" fill="hold">
+                                          <p:stCondLst>
+                                            <p:cond delay="0"/>
+                                          </p:stCondLst>
+                                        </p:cTn>
+                                        <p:tgtEl>
+                                          <p:spTgt spid="3">
+                                            <p:txEl>
+                                              <p:pRg st="8" end="8"/>
+                                            </p:txEl>
+                                          </p:spTgt>
+                                        </p:tgtEl>
+                                        <p:attrNameLst>
+                                          <p:attrName>style.visibility</p:attrName>
+                                        </p:attrNameLst>
+                                      </p:cBhvr>
+                                      <p:to>
+                                        <p:strVal val="visible"/>
+                                      </p:to>
+                                    </p:set>
+                                  </p:childTnLst>
+                                </p:cTn>
+                              </p:par>
+                            </p:childTnLst>
+                          </p:cTn>
+                        </p:par>
+                      </p:childTnLst>
+                    </p:cTn>
+                  </p:par>
+                </p:childTnLst>
+              </p:cTn>
+              <p:prevCondLst>
+                <p:cond evt="onPrev" delay="0">
+                  <p:tgtEl>
+                    <p:sldTgt/>
+                  </p:tgtEl>
+                </p:cond>
+              </p:prevCondLst>
+              <p:nextCondLst>
+                <p:cond evt="onNext" delay="0">
+                  <p:tgtEl>
+                    <p:sldTgt/>
+                  </p:tgtEl>
+                </p:cond>
+              </p:nextCondLst>
+            </p:seq>
+          </p:childTnLst>
+        </p:cTn>
+      </p:par>
+    </p:tnLst>
+    <p:bldLst>
+      <p:bldP spid="3" grpId="0" uiExpand="1" build="p"/>
+    </p:bldLst>
+  </p:timing>
+</p:sld>
+</file>
+
+<file path=ppt/slides/slide2.xml><?xml version="1.0" encoding="utf-8"?>
+<p:sld xmlns:a="http://schemas.openxmlformats.org/drawingml/2006/main" xmlns:r="http://schemas.openxmlformats.org/officeDocument/2006/relationships" xmlns:p="http://schemas.openxmlformats.org/presentationml/2006/main">
+  <p:cSld>
+    <p:spTree>
+      <p:nvGrpSpPr>
+        <p:cNvPr id="1" name=""/>
+        <p:cNvGrpSpPr/>
+        <p:nvPr/>
+      </p:nvGrpSpPr>
+      <p:grpSpPr>
+        <a:xfrm>
+          <a:off x="0" y="0"/>
+          <a:ext cx="0" cy="0"/>
+          <a:chOff x="0" y="0"/>
+          <a:chExt cx="0" cy="0"/>
+        </a:xfrm>
+      </p:grpSpPr>
+      <p:sp>
+        <p:nvSpPr>
+          <p:cNvPr id="2" name="Title 1">
+            <a:extLst>
+              <a:ext uri="{FF2B5EF4-FFF2-40B4-BE49-F238E27FC236}">
+                <a16:creationId xmlns:a16="http://schemas.microsoft.com/office/drawing/2014/main" id="{DD6CEBE0-4DE3-700F-9A6D-05EB02CD3C45}"/>
+              </a:ext>
+            </a:extLst>
+          </p:cNvPr>
+          <p:cNvSpPr>
+            <a:spLocks noGrp="1"/>
+          </p:cNvSpPr>
+          <p:nvPr>
+            <p:ph type="title"/>
+          </p:nvPr>
+        </p:nvSpPr>
+        <p:spPr>
+          <a:xfrm>
+            <a:off x="315686" y="205468"/>
+            <a:ext cx="4880428" cy="1274989"/>
+          </a:xfrm>
+        </p:spPr>
+        <p:txBody>
+          <a:bodyPr/>
+          <a:lstStyle/>
+          <a:p>
+            <a:r>
+              <a:rPr lang="en-US" dirty="0"/>
+              <a:t>Commodities List</a:t>
+            </a:r>
+          </a:p>
+        </p:txBody>
+      </p:sp>
+      <p:sp>
+        <p:nvSpPr>
+          <p:cNvPr id="3" name="Content Placeholder 2">
+            <a:extLst>
+              <a:ext uri="{FF2B5EF4-FFF2-40B4-BE49-F238E27FC236}">
+                <a16:creationId xmlns:a16="http://schemas.microsoft.com/office/drawing/2014/main" id="{0AFBBF5C-21AF-7D69-8A78-1F80AC910CE4}"/>
+              </a:ext>
+            </a:extLst>
+          </p:cNvPr>
+          <p:cNvSpPr>
+            <a:spLocks noGrp="1"/>
+          </p:cNvSpPr>
+          <p:nvPr>
+            <p:ph sz="half" idx="1"/>
+          </p:nvPr>
+        </p:nvSpPr>
+        <p:spPr>
+          <a:xfrm>
+            <a:off x="838200" y="1233714"/>
+            <a:ext cx="5181600" cy="4943249"/>
+          </a:xfrm>
+        </p:spPr>
+        <p:txBody>
+          <a:bodyPr>
+            <a:normAutofit fontScale="92500" lnSpcReduction="10000"/>
+          </a:bodyPr>
+          <a:lstStyle/>
+          <a:p>
+            <a:r>
+              <a:rPr lang="en-US" dirty="0"/>
+              <a:t>Energy</a:t>
+            </a:r>
+          </a:p>
+          <a:p>
+            <a:pPr lvl="1"/>
+            <a:r>
+              <a:rPr lang="en-US" dirty="0"/>
+              <a:t>Natural Gas</a:t>
+            </a:r>
+          </a:p>
+          <a:p>
+            <a:pPr lvl="1"/>
+            <a:r>
+              <a:rPr lang="en-US" dirty="0"/>
+              <a:t>WTI Crude</a:t>
+            </a:r>
+          </a:p>
+          <a:p>
+            <a:pPr lvl="1"/>
+            <a:r>
+              <a:rPr lang="en-US" dirty="0"/>
+              <a:t>Brent Crude</a:t>
+            </a:r>
+          </a:p>
+          <a:p>
+            <a:pPr lvl="1"/>
+            <a:r>
+              <a:rPr lang="en-US" dirty="0"/>
+              <a:t>ULS Diesel</a:t>
+            </a:r>
+          </a:p>
+          <a:p>
+            <a:pPr lvl="1"/>
+            <a:r>
+              <a:rPr lang="en-US" dirty="0"/>
+              <a:t>Low Sulphur Gas Oil</a:t>
+            </a:r>
+          </a:p>
+          <a:p>
+            <a:pPr lvl="1"/>
+            <a:r>
+              <a:rPr lang="en-US" dirty="0"/>
+              <a:t>Gasoline</a:t>
+            </a:r>
+          </a:p>
+          <a:p>
+            <a:r>
+              <a:rPr lang="en-US" dirty="0"/>
+              <a:t>Metals</a:t>
+            </a:r>
+          </a:p>
+          <a:p>
+            <a:pPr lvl="1"/>
+            <a:r>
+              <a:rPr lang="en-US" dirty="0"/>
+              <a:t>Copper</a:t>
+            </a:r>
+          </a:p>
+          <a:p>
+            <a:pPr lvl="1"/>
+            <a:r>
+              <a:rPr lang="en-US" dirty="0"/>
+              <a:t>Aluminum</a:t>
+            </a:r>
+          </a:p>
+          <a:p>
+            <a:pPr lvl="1"/>
+            <a:r>
+              <a:rPr lang="en-US" dirty="0"/>
+              <a:t>Zinc</a:t>
+            </a:r>
+          </a:p>
+          <a:p>
+            <a:pPr lvl="1"/>
+            <a:r>
+              <a:rPr lang="en-US" dirty="0"/>
+              <a:t>Nickel</a:t>
+            </a:r>
+          </a:p>
+          <a:p>
+            <a:pPr lvl="1"/>
+            <a:r>
+              <a:rPr lang="en-US" dirty="0"/>
+              <a:t>Gold</a:t>
+            </a:r>
+          </a:p>
+          <a:p>
+            <a:pPr lvl="1"/>
+            <a:r>
+              <a:rPr lang="en-US" dirty="0"/>
+              <a:t>Silver</a:t>
+            </a:r>
+          </a:p>
+        </p:txBody>
+      </p:sp>
+      <p:sp>
+        <p:nvSpPr>
+          <p:cNvPr id="4" name="Content Placeholder 3">
+            <a:extLst>
+              <a:ext uri="{FF2B5EF4-FFF2-40B4-BE49-F238E27FC236}">
+                <a16:creationId xmlns:a16="http://schemas.microsoft.com/office/drawing/2014/main" id="{4E98B473-ECD9-1120-BF7A-EB261921516B}"/>
+              </a:ext>
+            </a:extLst>
+          </p:cNvPr>
+          <p:cNvSpPr>
+            <a:spLocks noGrp="1"/>
+          </p:cNvSpPr>
+          <p:nvPr>
+            <p:ph sz="half" idx="2"/>
+          </p:nvPr>
+        </p:nvSpPr>
+        <p:spPr>
+          <a:xfrm>
+            <a:off x="6172200" y="1233714"/>
+            <a:ext cx="5181600" cy="4943249"/>
+          </a:xfrm>
+        </p:spPr>
+        <p:txBody>
+          <a:bodyPr>
+            <a:normAutofit fontScale="92500" lnSpcReduction="10000"/>
+          </a:bodyPr>
+          <a:lstStyle/>
+          <a:p>
+            <a:r>
+              <a:rPr lang="en-US" dirty="0"/>
+              <a:t>Agriculture</a:t>
+            </a:r>
+          </a:p>
+          <a:p>
+            <a:pPr lvl="1"/>
+            <a:r>
+              <a:rPr lang="en-US" dirty="0"/>
+              <a:t>Corn</a:t>
+            </a:r>
+          </a:p>
+          <a:p>
+            <a:pPr lvl="1"/>
+            <a:r>
+              <a:rPr lang="en-US" dirty="0"/>
+              <a:t>Soybeans</a:t>
+            </a:r>
+          </a:p>
+          <a:p>
+            <a:pPr lvl="1"/>
+            <a:r>
+              <a:rPr lang="en-US" dirty="0"/>
+              <a:t>Wheat</a:t>
+            </a:r>
+          </a:p>
+          <a:p>
+            <a:pPr lvl="1"/>
+            <a:r>
+              <a:rPr lang="en-US" dirty="0"/>
+              <a:t>Soybean Oil</a:t>
+            </a:r>
+          </a:p>
+          <a:p>
+            <a:pPr lvl="1"/>
+            <a:r>
+              <a:rPr lang="en-US" dirty="0"/>
+              <a:t>Soybean Meal</a:t>
+            </a:r>
+          </a:p>
+          <a:p>
+            <a:pPr lvl="1"/>
+            <a:r>
+              <a:rPr lang="en-US" dirty="0"/>
+              <a:t>HRW Wheat</a:t>
+            </a:r>
+          </a:p>
+          <a:p>
+            <a:pPr lvl="1"/>
+            <a:r>
+              <a:rPr lang="en-US" dirty="0"/>
+              <a:t>Live Cattle</a:t>
+            </a:r>
+          </a:p>
+          <a:p>
+            <a:pPr lvl="1"/>
+            <a:r>
+              <a:rPr lang="en-US" dirty="0"/>
+              <a:t>Lean Hogs</a:t>
+            </a:r>
+          </a:p>
+          <a:p>
+            <a:r>
+              <a:rPr lang="en-US" dirty="0"/>
+              <a:t>Softs</a:t>
+            </a:r>
+          </a:p>
+          <a:p>
+            <a:pPr lvl="1"/>
+            <a:r>
+              <a:rPr lang="en-US" dirty="0"/>
+              <a:t>Sugar</a:t>
+            </a:r>
+          </a:p>
+          <a:p>
+            <a:pPr lvl="1"/>
+            <a:r>
+              <a:rPr lang="en-US" dirty="0"/>
+              <a:t>Coffee</a:t>
+            </a:r>
+          </a:p>
+          <a:p>
+            <a:pPr lvl="1"/>
+            <a:r>
+              <a:rPr lang="en-US" dirty="0"/>
+              <a:t>Cotton</a:t>
+            </a:r>
+          </a:p>
+          <a:p>
+            <a:endParaRPr lang="en-US" dirty="0"/>
+          </a:p>
+        </p:txBody>
+      </p:sp>
+    </p:spTree>
+    <p:extLst>
+      <p:ext uri="{BB962C8B-B14F-4D97-AF65-F5344CB8AC3E}">
+        <p14:creationId xmlns:p14="http://schemas.microsoft.com/office/powerpoint/2010/main" val="4207018662"/>
+      </p:ext>
+    </p:extLst>
+  </p:cSld>
+  <p:clrMapOvr>
+    <a:masterClrMapping/>
+  </p:clrMapOvr>
+</p:sld>
+</file>
+
+<file path=ppt/slides/slide3.xml><?xml version="1.0" encoding="utf-8"?>
+<p:sld xmlns:a="http://schemas.openxmlformats.org/drawingml/2006/main" xmlns:r="http://schemas.openxmlformats.org/officeDocument/2006/relationships" xmlns:p="http://schemas.openxmlformats.org/presentationml/2006/main">
+  <p:cSld>
     <p:bg>
       <p:bgPr>
         <a:solidFill>
@@ -3527,7 +4511,7 @@
 </p:sld>
 </file>
 
-<file path=ppt/slides/slide2.xml><?xml version="1.0" encoding="utf-8"?>
+<file path=ppt/slides/slide4.xml><?xml version="1.0" encoding="utf-8"?>
 <p:sld xmlns:a="http://schemas.openxmlformats.org/drawingml/2006/main" xmlns:r="http://schemas.openxmlformats.org/officeDocument/2006/relationships" xmlns:p="http://schemas.openxmlformats.org/presentationml/2006/main">
   <p:cSld>
     <p:bg>
@@ -3878,7 +4862,7 @@
 </p:sld>
 </file>
 
-<file path=ppt/slides/slide3.xml><?xml version="1.0" encoding="utf-8"?>
+<file path=ppt/slides/slide5.xml><?xml version="1.0" encoding="utf-8"?>
 <p:sld xmlns:a="http://schemas.openxmlformats.org/drawingml/2006/main" xmlns:r="http://schemas.openxmlformats.org/officeDocument/2006/relationships" xmlns:p="http://schemas.openxmlformats.org/presentationml/2006/main">
   <p:cSld>
     <p:bg>
